--- a/Symposium Flyer.pptx
+++ b/Symposium Flyer.pptx
@@ -2120,7 +2120,7 @@
         <p:spPr>
           <a:xfrm>
             <a:off x="1755774" y="2687817"/>
-            <a:ext cx="3013076" cy="6349927"/>
+            <a:ext cx="3013076" cy="6432530"/>
           </a:xfrm>
           <a:prstGeom prst="rect">
             <a:avLst/>
@@ -2358,8 +2358,68 @@
             </a:r>
           </a:p>
           <a:p>
+            <a:pPr marL="70485" marR="0" lvl="0" indent="-55244" algn="l" defTabSz="914400" rtl="0" eaLnBrk="1" fontAlgn="auto" latinLnBrk="0" hangingPunct="1">
+              <a:lnSpc>
+                <a:spcPct val="100000"/>
+              </a:lnSpc>
+              <a:spcBef>
+                <a:spcPts val="0"/>
+              </a:spcBef>
+              <a:spcAft>
+                <a:spcPts val="0"/>
+              </a:spcAft>
+              <a:buClr>
+                <a:srgbClr val="1A1A1A"/>
+              </a:buClr>
+              <a:buSzTx/>
+              <a:buFont typeface="Arial"/>
+              <a:buChar char="•"/>
+              <a:tabLst>
+                <a:tab pos="83185" algn="l"/>
+              </a:tabLst>
+              <a:defRPr/>
+            </a:pPr>
+            <a:r>
+              <a:rPr lang="en-US" sz="1000" b="1" spc="-45" dirty="0">
+                <a:solidFill>
+                  <a:srgbClr val="1E6820"/>
+                </a:solidFill>
+                <a:latin typeface="Arial" panose="020B0604020202020204" pitchFamily="34" charset="0"/>
+                <a:cs typeface="Arial" panose="020B0604020202020204" pitchFamily="34" charset="0"/>
+              </a:rPr>
+              <a:t>T</a:t>
+            </a:r>
+            <a:r>
+              <a:rPr lang="en-US" altLang="zh-CN" sz="1000" b="1" spc="-45" dirty="0">
+                <a:solidFill>
+                  <a:srgbClr val="1E6820"/>
+                </a:solidFill>
+                <a:latin typeface="Arial" panose="020B0604020202020204" pitchFamily="34" charset="0"/>
+                <a:cs typeface="Arial" panose="020B0604020202020204" pitchFamily="34" charset="0"/>
+              </a:rPr>
+              <a:t>itle</a:t>
+            </a:r>
+            <a:r>
+              <a:rPr kumimoji="0" lang="en-US" sz="1000" b="1" i="0" u="none" strike="noStrike" kern="1200" cap="none" spc="-45" normalizeH="0" baseline="0" noProof="0" dirty="0">
+                <a:ln>
+                  <a:noFill/>
+                </a:ln>
+                <a:solidFill>
+                  <a:srgbClr val="1E6820"/>
+                </a:solidFill>
+                <a:effectLst/>
+                <a:uLnTx/>
+                <a:uFillTx/>
+                <a:latin typeface="Arial" panose="020B0604020202020204" pitchFamily="34" charset="0"/>
+                <a:ea typeface="+mn-ea"/>
+                <a:cs typeface="Arial" panose="020B0604020202020204" pitchFamily="34" charset="0"/>
+              </a:rPr>
+              <a:t>: R in Big Action: Handling large data sets and R as a service</a:t>
+            </a:r>
+          </a:p>
+          <a:p>
             <a:pPr marL="12700"/>
-            <a:endParaRPr lang="en-US" sz="900" b="1" spc="35" dirty="0">
+            <a:endParaRPr lang="en-US" sz="700" b="1" spc="35" dirty="0">
               <a:solidFill>
                 <a:srgbClr val="1E6820"/>
               </a:solidFill>
@@ -2389,7 +2449,7 @@
               </a:tabLst>
               <a:defRPr/>
             </a:pPr>
-            <a:endParaRPr kumimoji="0" lang="en-US" sz="1000" b="1" i="0" u="none" strike="noStrike" kern="1200" cap="none" spc="-45" normalizeH="0" baseline="0" noProof="0" dirty="0">
+            <a:endParaRPr kumimoji="0" lang="en-US" sz="700" b="1" i="0" u="none" strike="noStrike" kern="1200" cap="none" spc="-45" normalizeH="0" baseline="0" noProof="0" dirty="0">
               <a:ln>
                 <a:noFill/>
               </a:ln>
@@ -2466,7 +2526,7 @@
               </a:tabLst>
               <a:defRPr/>
             </a:pPr>
-            <a:endParaRPr kumimoji="0" lang="en-US" sz="1000" b="1" i="0" u="none" strike="noStrike" kern="1200" cap="none" spc="-45" normalizeH="0" baseline="0" noProof="0" dirty="0">
+            <a:endParaRPr kumimoji="0" lang="en-US" sz="700" b="1" i="0" u="none" strike="noStrike" kern="1200" cap="none" spc="-45" normalizeH="0" baseline="0" noProof="0" dirty="0">
               <a:ln>
                 <a:noFill/>
               </a:ln>
@@ -2565,23 +2625,6 @@
               <a:t>t</a:t>
             </a:r>
             <a:r>
-              <a:rPr kumimoji="0" lang="en-US" sz="1000" b="1" i="0" u="none" strike="noStrike" kern="1200" cap="none" spc="-45" normalizeH="0" baseline="0" noProof="0">
-                <a:ln>
-                  <a:noFill/>
-                </a:ln>
-                <a:solidFill>
-                  <a:srgbClr val="1E6820"/>
-                </a:solidFill>
-                <a:effectLst/>
-                <a:uLnTx/>
-                <a:uFillTx/>
-                <a:latin typeface="Arial" panose="020B0604020202020204" pitchFamily="34" charset="0"/>
-                <a:ea typeface="+mn-ea"/>
-                <a:cs typeface="Arial" panose="020B0604020202020204" pitchFamily="34" charset="0"/>
-              </a:rPr>
-              <a:t>he </a:t>
-            </a:r>
-            <a:r>
               <a:rPr kumimoji="0" lang="en-US" sz="1000" b="1" i="0" u="none" strike="noStrike" kern="1200" cap="none" spc="-45" normalizeH="0" baseline="0" noProof="0" dirty="0">
                 <a:ln>
                   <a:noFill/>
@@ -2596,7 +2639,41 @@
                 <a:ea typeface="+mn-ea"/>
                 <a:cs typeface="Arial" panose="020B0604020202020204" pitchFamily="34" charset="0"/>
               </a:rPr>
-              <a:t>NYC Open Data of 311 Service Requests</a:t>
+              <a:t>he NYC Open Data of 311 Service </a:t>
+            </a:r>
+            <a:r>
+              <a:rPr kumimoji="0" lang="en-US" sz="1000" b="1" i="0" u="none" strike="noStrike" kern="1200" cap="none" spc="-45" normalizeH="0" baseline="0" noProof="0" dirty="0" err="1">
+                <a:ln>
+                  <a:noFill/>
+                </a:ln>
+                <a:solidFill>
+                  <a:srgbClr val="1E6820"/>
+                </a:solidFill>
+                <a:effectLst/>
+                <a:uLnTx/>
+                <a:uFillTx/>
+                <a:latin typeface="Arial" panose="020B0604020202020204" pitchFamily="34" charset="0"/>
+                <a:ea typeface="+mn-ea"/>
+                <a:cs typeface="Arial" panose="020B0604020202020204" pitchFamily="34" charset="0"/>
+              </a:rPr>
+              <a:t>RequestsR</a:t>
+            </a:r>
+            <a:r>
+              <a:rPr kumimoji="0" lang="en-US" sz="1000" b="1" i="0" u="none" strike="noStrike" kern="1200" cap="none" spc="-45" normalizeH="0" baseline="0" noProof="0" dirty="0">
+                <a:ln>
+                  <a:noFill/>
+                </a:ln>
+                <a:solidFill>
+                  <a:srgbClr val="1E6820"/>
+                </a:solidFill>
+                <a:effectLst/>
+                <a:uLnTx/>
+                <a:uFillTx/>
+                <a:latin typeface="Arial" panose="020B0604020202020204" pitchFamily="34" charset="0"/>
+                <a:ea typeface="+mn-ea"/>
+                <a:cs typeface="Arial" panose="020B0604020202020204" pitchFamily="34" charset="0"/>
+              </a:rPr>
+              <a:t> in Big Action: Handling large data sets and R as a service</a:t>
             </a:r>
           </a:p>
           <a:p>
@@ -2621,7 +2698,7 @@
               </a:tabLst>
               <a:defRPr/>
             </a:pPr>
-            <a:endParaRPr kumimoji="0" lang="en-US" sz="1000" b="1" i="0" u="none" strike="noStrike" kern="1200" cap="none" spc="-45" normalizeH="0" baseline="0" noProof="0" dirty="0">
+            <a:endParaRPr kumimoji="0" lang="en-US" sz="700" b="1" i="0" u="none" strike="noStrike" kern="1200" cap="none" spc="-45" normalizeH="0" baseline="0" noProof="0" dirty="0">
               <a:ln>
                 <a:noFill/>
               </a:ln>
@@ -2658,7 +2735,7 @@
               </a:tabLst>
               <a:defRPr/>
             </a:pPr>
-            <a:endParaRPr kumimoji="0" lang="en-US" sz="1000" b="1" i="0" u="none" strike="noStrike" kern="1200" cap="none" spc="-45" normalizeH="0" baseline="0" noProof="0" dirty="0">
+            <a:endParaRPr kumimoji="0" lang="en-US" sz="700" b="1" i="0" u="none" strike="noStrike" kern="1200" cap="none" spc="-45" normalizeH="0" baseline="0" noProof="0" dirty="0">
               <a:ln>
                 <a:noFill/>
               </a:ln>
@@ -2735,7 +2812,7 @@
               </a:tabLst>
               <a:defRPr/>
             </a:pPr>
-            <a:endParaRPr kumimoji="0" lang="en-US" sz="1200" b="1" i="0" u="none" strike="noStrike" kern="1200" cap="none" spc="-45" normalizeH="0" baseline="0" noProof="0" dirty="0">
+            <a:endParaRPr kumimoji="0" lang="en-US" sz="700" b="1" i="0" u="none" strike="noStrike" kern="1200" cap="none" spc="-45" normalizeH="0" baseline="0" noProof="0" dirty="0">
               <a:ln>
                 <a:noFill/>
               </a:ln>
@@ -2792,7 +2869,7 @@
           </a:p>
           <a:p>
             <a:pPr marL="12700"/>
-            <a:endParaRPr lang="en-US" sz="1000" b="1" spc="35" dirty="0">
+            <a:endParaRPr lang="en-US" sz="700" b="1" spc="35" dirty="0">
               <a:solidFill>
                 <a:srgbClr val="1E6820"/>
               </a:solidFill>
@@ -2802,7 +2879,7 @@
           </a:p>
           <a:p>
             <a:pPr marL="12700"/>
-            <a:endParaRPr lang="en-US" sz="1000" b="1" spc="35" dirty="0">
+            <a:endParaRPr lang="en-US" sz="700" b="1" spc="35" dirty="0">
               <a:solidFill>
                 <a:srgbClr val="1E6820"/>
               </a:solidFill>
@@ -2836,7 +2913,7 @@
                 <a:spcPts val="25"/>
               </a:spcBef>
             </a:pPr>
-            <a:endParaRPr sz="900" dirty="0">
+            <a:endParaRPr sz="700" dirty="0">
               <a:solidFill>
                 <a:srgbClr val="1E6820"/>
               </a:solidFill>
@@ -2907,7 +2984,7 @@
                 <a:tab pos="83185" algn="l"/>
               </a:tabLst>
             </a:pPr>
-            <a:endParaRPr lang="en-US" sz="1000" b="1" spc="-45" dirty="0">
+            <a:endParaRPr lang="en-US" sz="700" b="1" spc="-45" dirty="0">
               <a:solidFill>
                 <a:srgbClr val="1E6820"/>
               </a:solidFill>
@@ -3151,7 +3228,7 @@
               </a:tabLst>
               <a:defRPr/>
             </a:pPr>
-            <a:endParaRPr kumimoji="0" lang="en-US" sz="1000" b="1" i="0" u="none" strike="noStrike" kern="1200" cap="none" spc="-45" normalizeH="0" baseline="0" noProof="0" dirty="0">
+            <a:endParaRPr kumimoji="0" lang="en-US" sz="700" b="1" i="0" u="none" strike="noStrike" kern="1200" cap="none" spc="-45" normalizeH="0" baseline="0" noProof="0" dirty="0">
               <a:ln>
                 <a:noFill/>
               </a:ln>
@@ -3188,7 +3265,7 @@
               </a:tabLst>
               <a:defRPr/>
             </a:pPr>
-            <a:endParaRPr kumimoji="0" lang="en-US" sz="1000" b="1" i="0" u="none" strike="noStrike" kern="1200" cap="none" spc="-45" normalizeH="0" baseline="0" noProof="0" dirty="0">
+            <a:endParaRPr kumimoji="0" lang="en-US" sz="700" b="1" i="0" u="none" strike="noStrike" kern="1200" cap="none" spc="-45" normalizeH="0" baseline="0" noProof="0" dirty="0">
               <a:ln>
                 <a:noFill/>
               </a:ln>
@@ -3265,7 +3342,7 @@
               </a:tabLst>
               <a:defRPr/>
             </a:pPr>
-            <a:endParaRPr kumimoji="0" lang="en-US" sz="1000" b="1" i="0" u="none" strike="noStrike" kern="1200" cap="none" spc="-45" normalizeH="0" baseline="0" noProof="0" dirty="0">
+            <a:endParaRPr kumimoji="0" lang="en-US" sz="700" b="1" i="0" u="none" strike="noStrike" kern="1200" cap="none" spc="-45" normalizeH="0" baseline="0" noProof="0" dirty="0">
               <a:ln>
                 <a:noFill/>
               </a:ln>
